--- a/Fig/Paper Figs/Arch_ND_Uninf.pptx
+++ b/Fig/Paper Figs/Arch_ND_Uninf.pptx
@@ -209,7 +209,7 @@
             <a:fld id="{E8B021B6-18E8-394A-9660-E0698FE537D8}" type="datetimeFigureOut">
               <a:rPr lang="en-US" smtClean="0"/>
               <a:pPr/>
-              <a:t>11/3/22</a:t>
+              <a:t>1/4/23</a:t>
             </a:fld>
             <a:endParaRPr lang="en-US" dirty="0"/>
           </a:p>
@@ -744,7 +744,7 @@
             <a:fld id="{423839E0-6127-7048-A4DA-64E2F6DF927A}" type="datetimeFigureOut">
               <a:rPr lang="en-US" smtClean="0"/>
               <a:pPr/>
-              <a:t>11/3/22</a:t>
+              <a:t>1/4/23</a:t>
             </a:fld>
             <a:endParaRPr lang="en-US" dirty="0"/>
           </a:p>
@@ -909,7 +909,7 @@
             <a:fld id="{423839E0-6127-7048-A4DA-64E2F6DF927A}" type="datetimeFigureOut">
               <a:rPr lang="en-US" smtClean="0"/>
               <a:pPr/>
-              <a:t>11/3/22</a:t>
+              <a:t>1/4/23</a:t>
             </a:fld>
             <a:endParaRPr lang="en-US" dirty="0"/>
           </a:p>
@@ -1084,7 +1084,7 @@
             <a:fld id="{423839E0-6127-7048-A4DA-64E2F6DF927A}" type="datetimeFigureOut">
               <a:rPr lang="en-US" smtClean="0"/>
               <a:pPr/>
-              <a:t>11/3/22</a:t>
+              <a:t>1/4/23</a:t>
             </a:fld>
             <a:endParaRPr lang="en-US" dirty="0"/>
           </a:p>
@@ -1249,7 +1249,7 @@
             <a:fld id="{423839E0-6127-7048-A4DA-64E2F6DF927A}" type="datetimeFigureOut">
               <a:rPr lang="en-US" smtClean="0"/>
               <a:pPr/>
-              <a:t>11/3/22</a:t>
+              <a:t>1/4/23</a:t>
             </a:fld>
             <a:endParaRPr lang="en-US" dirty="0"/>
           </a:p>
@@ -1491,7 +1491,7 @@
             <a:fld id="{423839E0-6127-7048-A4DA-64E2F6DF927A}" type="datetimeFigureOut">
               <a:rPr lang="en-US" smtClean="0"/>
               <a:pPr/>
-              <a:t>11/3/22</a:t>
+              <a:t>1/4/23</a:t>
             </a:fld>
             <a:endParaRPr lang="en-US" dirty="0"/>
           </a:p>
@@ -1773,7 +1773,7 @@
             <a:fld id="{423839E0-6127-7048-A4DA-64E2F6DF927A}" type="datetimeFigureOut">
               <a:rPr lang="en-US" smtClean="0"/>
               <a:pPr/>
-              <a:t>11/3/22</a:t>
+              <a:t>1/4/23</a:t>
             </a:fld>
             <a:endParaRPr lang="en-US" dirty="0"/>
           </a:p>
@@ -2189,7 +2189,7 @@
             <a:fld id="{423839E0-6127-7048-A4DA-64E2F6DF927A}" type="datetimeFigureOut">
               <a:rPr lang="en-US" smtClean="0"/>
               <a:pPr/>
-              <a:t>11/3/22</a:t>
+              <a:t>1/4/23</a:t>
             </a:fld>
             <a:endParaRPr lang="en-US" dirty="0"/>
           </a:p>
@@ -2303,7 +2303,7 @@
             <a:fld id="{423839E0-6127-7048-A4DA-64E2F6DF927A}" type="datetimeFigureOut">
               <a:rPr lang="en-US" smtClean="0"/>
               <a:pPr/>
-              <a:t>11/3/22</a:t>
+              <a:t>1/4/23</a:t>
             </a:fld>
             <a:endParaRPr lang="en-US" dirty="0"/>
           </a:p>
@@ -2395,7 +2395,7 @@
             <a:fld id="{423839E0-6127-7048-A4DA-64E2F6DF927A}" type="datetimeFigureOut">
               <a:rPr lang="en-US" smtClean="0"/>
               <a:pPr/>
-              <a:t>11/3/22</a:t>
+              <a:t>1/4/23</a:t>
             </a:fld>
             <a:endParaRPr lang="en-US" dirty="0"/>
           </a:p>
@@ -2667,7 +2667,7 @@
             <a:fld id="{423839E0-6127-7048-A4DA-64E2F6DF927A}" type="datetimeFigureOut">
               <a:rPr lang="en-US" smtClean="0"/>
               <a:pPr/>
-              <a:t>11/3/22</a:t>
+              <a:t>1/4/23</a:t>
             </a:fld>
             <a:endParaRPr lang="en-US" dirty="0"/>
           </a:p>
@@ -2916,7 +2916,7 @@
             <a:fld id="{423839E0-6127-7048-A4DA-64E2F6DF927A}" type="datetimeFigureOut">
               <a:rPr lang="en-US" smtClean="0"/>
               <a:pPr/>
-              <a:t>11/3/22</a:t>
+              <a:t>1/4/23</a:t>
             </a:fld>
             <a:endParaRPr lang="en-US" dirty="0"/>
           </a:p>
@@ -3124,7 +3124,7 @@
             <a:fld id="{423839E0-6127-7048-A4DA-64E2F6DF927A}" type="datetimeFigureOut">
               <a:rPr lang="en-US" smtClean="0"/>
               <a:pPr/>
-              <a:t>11/3/22</a:t>
+              <a:t>1/4/23</a:t>
             </a:fld>
             <a:endParaRPr lang="en-US" dirty="0"/>
           </a:p>
@@ -3844,8 +3844,8 @@
         </p:nvSpPr>
         <p:spPr>
           <a:xfrm>
-            <a:off x="5526226" y="2001334"/>
-            <a:ext cx="420243" cy="307777"/>
+            <a:off x="5401692" y="2033992"/>
+            <a:ext cx="544777" cy="338554"/>
           </a:xfrm>
           <a:prstGeom prst="rect">
             <a:avLst/>
@@ -3860,10 +3860,10 @@
           <a:p>
             <a:pPr algn="ctr"/>
             <a:r>
-              <a:rPr lang="en-US" sz="1400" dirty="0"/>
+              <a:rPr lang="en-US" sz="1600" dirty="0"/>
               <a:t>Yes</a:t>
             </a:r>
-            <a:endParaRPr lang="en-US" dirty="0"/>
+            <a:endParaRPr lang="en-US" sz="2000" dirty="0"/>
           </a:p>
         </p:txBody>
       </p:sp>
@@ -4330,7 +4330,7 @@
         <p:spPr>
           <a:xfrm>
             <a:off x="3664406" y="2721944"/>
-            <a:ext cx="1411412" cy="6623"/>
+            <a:ext cx="1361364" cy="6623"/>
           </a:xfrm>
           <a:prstGeom prst="straightConnector1">
             <a:avLst/>
@@ -4422,7 +4422,7 @@
         <p:spPr>
           <a:xfrm>
             <a:off x="7572214" y="3059668"/>
-            <a:ext cx="1518066" cy="738664"/>
+            <a:ext cx="1518066" cy="1077218"/>
           </a:xfrm>
           <a:prstGeom prst="rect">
             <a:avLst/>
@@ -4437,8 +4437,8 @@
           <a:p>
             <a:pPr algn="ctr"/>
             <a:r>
-              <a:rPr lang="en-US" sz="1400" dirty="0"/>
-              <a:t>Parameter Values with Maximum Determinism</a:t>
+              <a:rPr lang="en-US" sz="1600" dirty="0"/>
+              <a:t>Parameter Values With Maximum Determinism</a:t>
             </a:r>
           </a:p>
         </p:txBody>
@@ -4457,8 +4457,8 @@
         </p:nvSpPr>
         <p:spPr>
           <a:xfrm>
-            <a:off x="5075818" y="2269253"/>
-            <a:ext cx="1767487" cy="918627"/>
+            <a:off x="5025770" y="2269253"/>
+            <a:ext cx="1878298" cy="918627"/>
           </a:xfrm>
           <a:prstGeom prst="flowChartDecision">
             <a:avLst/>
@@ -4496,8 +4496,8 @@
         </p:nvSpPr>
         <p:spPr>
           <a:xfrm>
-            <a:off x="5356512" y="2482086"/>
-            <a:ext cx="1169230" cy="523220"/>
+            <a:off x="5192853" y="2471200"/>
+            <a:ext cx="1524484" cy="584775"/>
           </a:xfrm>
           <a:prstGeom prst="rect">
             <a:avLst/>
@@ -4512,14 +4512,14 @@
           <a:p>
             <a:pPr algn="ctr"/>
             <a:r>
-              <a:rPr lang="en-US" sz="1400" dirty="0"/>
+              <a:rPr lang="en-US" sz="1600" dirty="0"/>
               <a:t>Cross-run ARI</a:t>
             </a:r>
           </a:p>
           <a:p>
             <a:pPr algn="ctr"/>
             <a:r>
-              <a:rPr lang="en-US" sz="1400" dirty="0"/>
+              <a:rPr lang="en-US" sz="1600" dirty="0"/>
               <a:t>Improved?</a:t>
             </a:r>
           </a:p>
@@ -4539,7 +4539,7 @@
         </p:nvSpPr>
         <p:spPr>
           <a:xfrm>
-            <a:off x="5013434" y="1500238"/>
+            <a:off x="5024320" y="1500238"/>
             <a:ext cx="1890634" cy="514648"/>
           </a:xfrm>
           <a:prstGeom prst="rect">
@@ -4567,10 +4567,10 @@
           <a:p>
             <a:pPr algn="ctr"/>
             <a:r>
-              <a:rPr lang="en-US" sz="1400" dirty="0"/>
+              <a:rPr lang="en-US" sz="1600" dirty="0"/>
               <a:t>Next Parameter/Value</a:t>
             </a:r>
-            <a:endParaRPr lang="en-US" sz="2000" dirty="0"/>
+            <a:endParaRPr lang="en-US" sz="2400" dirty="0"/>
           </a:p>
         </p:txBody>
       </p:sp>
@@ -4591,9 +4591,9 @@
           <p:nvPr/>
         </p:nvCxnSpPr>
         <p:spPr>
-          <a:xfrm flipH="1" flipV="1">
-            <a:off x="5958751" y="2014886"/>
-            <a:ext cx="811" cy="254367"/>
+          <a:xfrm flipV="1">
+            <a:off x="5964919" y="2014886"/>
+            <a:ext cx="4718" cy="254367"/>
           </a:xfrm>
           <a:prstGeom prst="straightConnector1">
             <a:avLst/>
@@ -4637,8 +4637,8 @@
         </p:nvSpPr>
         <p:spPr>
           <a:xfrm>
-            <a:off x="6742323" y="2377836"/>
-            <a:ext cx="394660" cy="307777"/>
+            <a:off x="6651171" y="2377836"/>
+            <a:ext cx="485812" cy="338554"/>
           </a:xfrm>
           <a:prstGeom prst="rect">
             <a:avLst/>
@@ -4653,10 +4653,10 @@
           <a:p>
             <a:pPr algn="ctr"/>
             <a:r>
-              <a:rPr lang="en-US" sz="1400" dirty="0"/>
+              <a:rPr lang="en-US" sz="1600" dirty="0"/>
               <a:t>No</a:t>
             </a:r>
-            <a:endParaRPr lang="en-US" dirty="0"/>
+            <a:endParaRPr lang="en-US" sz="2000" dirty="0"/>
           </a:p>
         </p:txBody>
       </p:sp>
